--- a/Análise de Desempenho de Vendas de Lojas de Varejo.pptx
+++ b/Análise de Desempenho de Vendas de Lojas de Varejo.pptx
@@ -4045,7 +4045,7 @@
                 <a:ea typeface="Segoe UI" charset="0"/>
                 <a:cs typeface="Segoe UI" charset="0"/>
               </a:rPr>
-              <a:t>16/12/2024 15:06:04 UTC</a:t>
+              <a:t>16/12/2024 15:20:28 UTC</a:t>
             </a:r>
           </a:p>
         </p:txBody>
@@ -4102,7 +4102,7 @@
                 <a:ea typeface="Segoe UI" charset="0"/>
                 <a:cs typeface="Segoe UI" charset="0"/>
               </a:rPr>
-              <a:t>16/12/2024 15:03:51 UTC</a:t>
+              <a:t>16/12/2024 15:15:34 UTC</a:t>
             </a:r>
             <a:endParaRPr lang="en-US" sz="900" b="0" i="0" dirty="0">
               <a:solidFill>
@@ -4215,7 +4215,7 @@
           <p:nvPr/>
         </p:nvPicPr>
         <p:blipFill>
-          <a:blip xmlns:r="http://schemas.openxmlformats.org/officeDocument/2006/relationships" xmlns:a="http://schemas.openxmlformats.org/drawingml/2006/main" r:embed="imgId268261955"/>
+          <a:blip xmlns:r="http://schemas.openxmlformats.org/officeDocument/2006/relationships" xmlns:a="http://schemas.openxmlformats.org/drawingml/2006/main" r:embed="imgId268267756"/>
           <a:stretch xmlns:a="http://schemas.openxmlformats.org/drawingml/2006/main">
             <a:fillRect/>
           </a:stretch>
@@ -4281,7 +4281,7 @@
           <p:nvPr/>
         </p:nvPicPr>
         <p:blipFill>
-          <a:blip xmlns:r="http://schemas.openxmlformats.org/officeDocument/2006/relationships" xmlns:a="http://schemas.openxmlformats.org/drawingml/2006/main" r:embed="imgId268261956"/>
+          <a:blip xmlns:r="http://schemas.openxmlformats.org/officeDocument/2006/relationships" xmlns:a="http://schemas.openxmlformats.org/drawingml/2006/main" r:embed="imgId268267757"/>
           <a:stretch xmlns:a="http://schemas.openxmlformats.org/drawingml/2006/main">
             <a:fillRect/>
           </a:stretch>
@@ -4347,7 +4347,7 @@
           <p:nvPr/>
         </p:nvPicPr>
         <p:blipFill>
-          <a:blip xmlns:r="http://schemas.openxmlformats.org/officeDocument/2006/relationships" xmlns:a="http://schemas.openxmlformats.org/drawingml/2006/main" r:embed="imgId268261957"/>
+          <a:blip xmlns:r="http://schemas.openxmlformats.org/officeDocument/2006/relationships" xmlns:a="http://schemas.openxmlformats.org/drawingml/2006/main" r:embed="imgId268267758"/>
           <a:stretch xmlns:a="http://schemas.openxmlformats.org/drawingml/2006/main">
             <a:fillRect/>
           </a:stretch>
@@ -4413,7 +4413,7 @@
           <p:nvPr/>
         </p:nvPicPr>
         <p:blipFill>
-          <a:blip xmlns:r="http://schemas.openxmlformats.org/officeDocument/2006/relationships" xmlns:a="http://schemas.openxmlformats.org/drawingml/2006/main" r:embed="imgId268261958"/>
+          <a:blip xmlns:r="http://schemas.openxmlformats.org/officeDocument/2006/relationships" xmlns:a="http://schemas.openxmlformats.org/drawingml/2006/main" r:embed="imgId268267759"/>
           <a:stretch xmlns:a="http://schemas.openxmlformats.org/drawingml/2006/main">
             <a:fillRect/>
           </a:stretch>
